--- a/_._/Original/Unidade5.pptx
+++ b/_._/Original/Unidade5.pptx
@@ -379,6 +379,107 @@
     </pc:docChg>
   </pc:docChgLst>
   <pc:docChgLst>
+    <pc:chgData name="Marcel Hugo" userId="bc0e072c-ff8b-4c7a-a4d4-d4d7c09c971c" providerId="ADAL" clId="{61895E3A-138F-488E-9905-50D077A1BD61}"/>
+    <pc:docChg chg="undo delSld modSld">
+      <pc:chgData name="Marcel Hugo" userId="bc0e072c-ff8b-4c7a-a4d4-d4d7c09c971c" providerId="ADAL" clId="{61895E3A-138F-488E-9905-50D077A1BD61}" dt="2019-11-06T18:47:52.334" v="100"/>
+      <pc:docMkLst>
+        <pc:docMk/>
+      </pc:docMkLst>
+      <pc:sldChg chg="addSp">
+        <pc:chgData name="Marcel Hugo" userId="bc0e072c-ff8b-4c7a-a4d4-d4d7c09c971c" providerId="ADAL" clId="{61895E3A-138F-488E-9905-50D077A1BD61}" dt="2019-11-06T18:47:52.334" v="100"/>
+        <pc:sldMkLst>
+          <pc:docMk/>
+          <pc:sldMk cId="0" sldId="291"/>
+        </pc:sldMkLst>
+        <pc:picChg chg="add">
+          <ac:chgData name="Marcel Hugo" userId="bc0e072c-ff8b-4c7a-a4d4-d4d7c09c971c" providerId="ADAL" clId="{61895E3A-138F-488E-9905-50D077A1BD61}" dt="2019-11-06T18:47:52.334" v="100"/>
+          <ac:picMkLst>
+            <pc:docMk/>
+            <pc:sldMk cId="0" sldId="291"/>
+            <ac:picMk id="4" creationId="{14E2E182-3399-4918-BC4F-2C51F214160C}"/>
+          </ac:picMkLst>
+        </pc:picChg>
+      </pc:sldChg>
+      <pc:sldChg chg="del">
+        <pc:chgData name="Marcel Hugo" userId="bc0e072c-ff8b-4c7a-a4d4-d4d7c09c971c" providerId="ADAL" clId="{61895E3A-138F-488E-9905-50D077A1BD61}" dt="2019-11-06T18:47:12.086" v="99" actId="2696"/>
+        <pc:sldMkLst>
+          <pc:docMk/>
+          <pc:sldMk cId="0" sldId="354"/>
+        </pc:sldMkLst>
+      </pc:sldChg>
+      <pc:sldChg chg="modSp">
+        <pc:chgData name="Marcel Hugo" userId="bc0e072c-ff8b-4c7a-a4d4-d4d7c09c971c" providerId="ADAL" clId="{61895E3A-138F-488E-9905-50D077A1BD61}" dt="2019-11-06T18:44:25.640" v="71" actId="404"/>
+        <pc:sldMkLst>
+          <pc:docMk/>
+          <pc:sldMk cId="0" sldId="358"/>
+        </pc:sldMkLst>
+        <pc:spChg chg="mod">
+          <ac:chgData name="Marcel Hugo" userId="bc0e072c-ff8b-4c7a-a4d4-d4d7c09c971c" providerId="ADAL" clId="{61895E3A-138F-488E-9905-50D077A1BD61}" dt="2019-11-06T18:44:25.640" v="71" actId="404"/>
+          <ac:spMkLst>
+            <pc:docMk/>
+            <pc:sldMk cId="0" sldId="358"/>
+            <ac:spMk id="22530" creationId="{1E8C4A63-C370-4EFA-B43F-EA14EBC03E2F}"/>
+          </ac:spMkLst>
+        </pc:spChg>
+        <pc:graphicFrameChg chg="mod modGraphic">
+          <ac:chgData name="Marcel Hugo" userId="bc0e072c-ff8b-4c7a-a4d4-d4d7c09c971c" providerId="ADAL" clId="{61895E3A-138F-488E-9905-50D077A1BD61}" dt="2019-11-06T18:41:49.989" v="23" actId="14734"/>
+          <ac:graphicFrameMkLst>
+            <pc:docMk/>
+            <pc:sldMk cId="0" sldId="358"/>
+            <ac:graphicFrameMk id="4" creationId="{532CFFC7-D309-43C4-A900-70C29BF205F2}"/>
+          </ac:graphicFrameMkLst>
+        </pc:graphicFrameChg>
+      </pc:sldChg>
+      <pc:sldChg chg="addSp delSp modSp">
+        <pc:chgData name="Marcel Hugo" userId="bc0e072c-ff8b-4c7a-a4d4-d4d7c09c971c" providerId="ADAL" clId="{61895E3A-138F-488E-9905-50D077A1BD61}" dt="2019-11-06T18:46:10.643" v="98" actId="108"/>
+        <pc:sldMkLst>
+          <pc:docMk/>
+          <pc:sldMk cId="0" sldId="360"/>
+        </pc:sldMkLst>
+        <pc:spChg chg="add del mod">
+          <ac:chgData name="Marcel Hugo" userId="bc0e072c-ff8b-4c7a-a4d4-d4d7c09c971c" providerId="ADAL" clId="{61895E3A-138F-488E-9905-50D077A1BD61}" dt="2019-11-06T18:44:47.713" v="75"/>
+          <ac:spMkLst>
+            <pc:docMk/>
+            <pc:sldMk cId="0" sldId="360"/>
+            <ac:spMk id="2" creationId="{142E7659-FDF3-4739-A187-D27084C28596}"/>
+          </ac:spMkLst>
+        </pc:spChg>
+        <pc:spChg chg="add del">
+          <ac:chgData name="Marcel Hugo" userId="bc0e072c-ff8b-4c7a-a4d4-d4d7c09c971c" providerId="ADAL" clId="{61895E3A-138F-488E-9905-50D077A1BD61}" dt="2019-11-06T18:44:43.088" v="73"/>
+          <ac:spMkLst>
+            <pc:docMk/>
+            <pc:sldMk cId="0" sldId="360"/>
+            <ac:spMk id="6" creationId="{575782F5-F606-4D98-8A6E-854FAD79A8EF}"/>
+          </ac:spMkLst>
+        </pc:spChg>
+        <pc:spChg chg="add mod">
+          <ac:chgData name="Marcel Hugo" userId="bc0e072c-ff8b-4c7a-a4d4-d4d7c09c971c" providerId="ADAL" clId="{61895E3A-138F-488E-9905-50D077A1BD61}" dt="2019-11-06T18:45:01.700" v="92" actId="20577"/>
+          <ac:spMkLst>
+            <pc:docMk/>
+            <pc:sldMk cId="0" sldId="360"/>
+            <ac:spMk id="8" creationId="{D7006B9E-5AA2-4690-88DA-836519756FFC}"/>
+          </ac:spMkLst>
+        </pc:spChg>
+        <pc:spChg chg="del mod">
+          <ac:chgData name="Marcel Hugo" userId="bc0e072c-ff8b-4c7a-a4d4-d4d7c09c971c" providerId="ADAL" clId="{61895E3A-138F-488E-9905-50D077A1BD61}" dt="2019-11-06T18:44:44.734" v="74" actId="478"/>
+          <ac:spMkLst>
+            <pc:docMk/>
+            <pc:sldMk cId="0" sldId="360"/>
+            <ac:spMk id="23554" creationId="{ADE012CA-8804-4B8C-9E3B-A8B4E772F9CD}"/>
+          </ac:spMkLst>
+        </pc:spChg>
+        <pc:graphicFrameChg chg="mod modGraphic">
+          <ac:chgData name="Marcel Hugo" userId="bc0e072c-ff8b-4c7a-a4d4-d4d7c09c971c" providerId="ADAL" clId="{61895E3A-138F-488E-9905-50D077A1BD61}" dt="2019-11-06T18:46:10.643" v="98" actId="108"/>
+          <ac:graphicFrameMkLst>
+            <pc:docMk/>
+            <pc:sldMk cId="0" sldId="360"/>
+            <ac:graphicFrameMk id="3" creationId="{C0EBA764-8BEB-4E43-A484-E8CF93418310}"/>
+          </ac:graphicFrameMkLst>
+        </pc:graphicFrameChg>
+      </pc:sldChg>
+    </pc:docChg>
+  </pc:docChgLst>
+  <pc:docChgLst>
     <pc:chgData name="Marcel Hugo" userId="bc0e072c-ff8b-4c7a-a4d4-d4d7c09c971c" providerId="ADAL" clId="{F5495F54-F371-44CE-9E10-EEDC53294B57}"/>
     <pc:docChg chg="undo custSel addSld modSld">
       <pc:chgData name="Marcel Hugo" userId="bc0e072c-ff8b-4c7a-a4d4-d4d7c09c971c" providerId="ADAL" clId="{F5495F54-F371-44CE-9E10-EEDC53294B57}" dt="2020-05-13T15:50:07.856" v="289" actId="20577"/>
@@ -496,107 +597,6 @@
       </pc:sldChg>
     </pc:docChg>
   </pc:docChgLst>
-  <pc:docChgLst>
-    <pc:chgData name="Marcel Hugo" userId="bc0e072c-ff8b-4c7a-a4d4-d4d7c09c971c" providerId="ADAL" clId="{61895E3A-138F-488E-9905-50D077A1BD61}"/>
-    <pc:docChg chg="undo delSld modSld">
-      <pc:chgData name="Marcel Hugo" userId="bc0e072c-ff8b-4c7a-a4d4-d4d7c09c971c" providerId="ADAL" clId="{61895E3A-138F-488E-9905-50D077A1BD61}" dt="2019-11-06T18:47:52.334" v="100"/>
-      <pc:docMkLst>
-        <pc:docMk/>
-      </pc:docMkLst>
-      <pc:sldChg chg="addSp">
-        <pc:chgData name="Marcel Hugo" userId="bc0e072c-ff8b-4c7a-a4d4-d4d7c09c971c" providerId="ADAL" clId="{61895E3A-138F-488E-9905-50D077A1BD61}" dt="2019-11-06T18:47:52.334" v="100"/>
-        <pc:sldMkLst>
-          <pc:docMk/>
-          <pc:sldMk cId="0" sldId="291"/>
-        </pc:sldMkLst>
-        <pc:picChg chg="add">
-          <ac:chgData name="Marcel Hugo" userId="bc0e072c-ff8b-4c7a-a4d4-d4d7c09c971c" providerId="ADAL" clId="{61895E3A-138F-488E-9905-50D077A1BD61}" dt="2019-11-06T18:47:52.334" v="100"/>
-          <ac:picMkLst>
-            <pc:docMk/>
-            <pc:sldMk cId="0" sldId="291"/>
-            <ac:picMk id="4" creationId="{14E2E182-3399-4918-BC4F-2C51F214160C}"/>
-          </ac:picMkLst>
-        </pc:picChg>
-      </pc:sldChg>
-      <pc:sldChg chg="del">
-        <pc:chgData name="Marcel Hugo" userId="bc0e072c-ff8b-4c7a-a4d4-d4d7c09c971c" providerId="ADAL" clId="{61895E3A-138F-488E-9905-50D077A1BD61}" dt="2019-11-06T18:47:12.086" v="99" actId="2696"/>
-        <pc:sldMkLst>
-          <pc:docMk/>
-          <pc:sldMk cId="0" sldId="354"/>
-        </pc:sldMkLst>
-      </pc:sldChg>
-      <pc:sldChg chg="modSp">
-        <pc:chgData name="Marcel Hugo" userId="bc0e072c-ff8b-4c7a-a4d4-d4d7c09c971c" providerId="ADAL" clId="{61895E3A-138F-488E-9905-50D077A1BD61}" dt="2019-11-06T18:44:25.640" v="71" actId="404"/>
-        <pc:sldMkLst>
-          <pc:docMk/>
-          <pc:sldMk cId="0" sldId="358"/>
-        </pc:sldMkLst>
-        <pc:spChg chg="mod">
-          <ac:chgData name="Marcel Hugo" userId="bc0e072c-ff8b-4c7a-a4d4-d4d7c09c971c" providerId="ADAL" clId="{61895E3A-138F-488E-9905-50D077A1BD61}" dt="2019-11-06T18:44:25.640" v="71" actId="404"/>
-          <ac:spMkLst>
-            <pc:docMk/>
-            <pc:sldMk cId="0" sldId="358"/>
-            <ac:spMk id="22530" creationId="{1E8C4A63-C370-4EFA-B43F-EA14EBC03E2F}"/>
-          </ac:spMkLst>
-        </pc:spChg>
-        <pc:graphicFrameChg chg="mod modGraphic">
-          <ac:chgData name="Marcel Hugo" userId="bc0e072c-ff8b-4c7a-a4d4-d4d7c09c971c" providerId="ADAL" clId="{61895E3A-138F-488E-9905-50D077A1BD61}" dt="2019-11-06T18:41:49.989" v="23" actId="14734"/>
-          <ac:graphicFrameMkLst>
-            <pc:docMk/>
-            <pc:sldMk cId="0" sldId="358"/>
-            <ac:graphicFrameMk id="4" creationId="{532CFFC7-D309-43C4-A900-70C29BF205F2}"/>
-          </ac:graphicFrameMkLst>
-        </pc:graphicFrameChg>
-      </pc:sldChg>
-      <pc:sldChg chg="addSp delSp modSp">
-        <pc:chgData name="Marcel Hugo" userId="bc0e072c-ff8b-4c7a-a4d4-d4d7c09c971c" providerId="ADAL" clId="{61895E3A-138F-488E-9905-50D077A1BD61}" dt="2019-11-06T18:46:10.643" v="98" actId="108"/>
-        <pc:sldMkLst>
-          <pc:docMk/>
-          <pc:sldMk cId="0" sldId="360"/>
-        </pc:sldMkLst>
-        <pc:spChg chg="add del mod">
-          <ac:chgData name="Marcel Hugo" userId="bc0e072c-ff8b-4c7a-a4d4-d4d7c09c971c" providerId="ADAL" clId="{61895E3A-138F-488E-9905-50D077A1BD61}" dt="2019-11-06T18:44:47.713" v="75"/>
-          <ac:spMkLst>
-            <pc:docMk/>
-            <pc:sldMk cId="0" sldId="360"/>
-            <ac:spMk id="2" creationId="{142E7659-FDF3-4739-A187-D27084C28596}"/>
-          </ac:spMkLst>
-        </pc:spChg>
-        <pc:spChg chg="add del">
-          <ac:chgData name="Marcel Hugo" userId="bc0e072c-ff8b-4c7a-a4d4-d4d7c09c971c" providerId="ADAL" clId="{61895E3A-138F-488E-9905-50D077A1BD61}" dt="2019-11-06T18:44:43.088" v="73"/>
-          <ac:spMkLst>
-            <pc:docMk/>
-            <pc:sldMk cId="0" sldId="360"/>
-            <ac:spMk id="6" creationId="{575782F5-F606-4D98-8A6E-854FAD79A8EF}"/>
-          </ac:spMkLst>
-        </pc:spChg>
-        <pc:spChg chg="add mod">
-          <ac:chgData name="Marcel Hugo" userId="bc0e072c-ff8b-4c7a-a4d4-d4d7c09c971c" providerId="ADAL" clId="{61895E3A-138F-488E-9905-50D077A1BD61}" dt="2019-11-06T18:45:01.700" v="92" actId="20577"/>
-          <ac:spMkLst>
-            <pc:docMk/>
-            <pc:sldMk cId="0" sldId="360"/>
-            <ac:spMk id="8" creationId="{D7006B9E-5AA2-4690-88DA-836519756FFC}"/>
-          </ac:spMkLst>
-        </pc:spChg>
-        <pc:spChg chg="del mod">
-          <ac:chgData name="Marcel Hugo" userId="bc0e072c-ff8b-4c7a-a4d4-d4d7c09c971c" providerId="ADAL" clId="{61895E3A-138F-488E-9905-50D077A1BD61}" dt="2019-11-06T18:44:44.734" v="74" actId="478"/>
-          <ac:spMkLst>
-            <pc:docMk/>
-            <pc:sldMk cId="0" sldId="360"/>
-            <ac:spMk id="23554" creationId="{ADE012CA-8804-4B8C-9E3B-A8B4E772F9CD}"/>
-          </ac:spMkLst>
-        </pc:spChg>
-        <pc:graphicFrameChg chg="mod modGraphic">
-          <ac:chgData name="Marcel Hugo" userId="bc0e072c-ff8b-4c7a-a4d4-d4d7c09c971c" providerId="ADAL" clId="{61895E3A-138F-488E-9905-50D077A1BD61}" dt="2019-11-06T18:46:10.643" v="98" actId="108"/>
-          <ac:graphicFrameMkLst>
-            <pc:docMk/>
-            <pc:sldMk cId="0" sldId="360"/>
-            <ac:graphicFrameMk id="3" creationId="{C0EBA764-8BEB-4E43-A484-E8CF93418310}"/>
-          </ac:graphicFrameMkLst>
-        </pc:graphicFrameChg>
-      </pc:sldChg>
-    </pc:docChg>
-  </pc:docChgLst>
 </pc:chgInfo>
 </file>
 
@@ -840,7 +840,7 @@
               <a:pPr>
                 <a:defRPr/>
               </a:pPr>
-              <a:t>‹nº›</a:t>
+              <a:t>‹#›</a:t>
             </a:fld>
             <a:endParaRPr lang="pt-BR"/>
           </a:p>
@@ -1218,7 +1218,7 @@
               <a:pPr>
                 <a:defRPr/>
               </a:pPr>
-              <a:t>‹nº›</a:t>
+              <a:t>‹#›</a:t>
             </a:fld>
             <a:endParaRPr lang="pt-BR"/>
           </a:p>
@@ -6842,7 +6842,7 @@
               <a:pPr>
                 <a:defRPr/>
               </a:pPr>
-              <a:t>‹nº›</a:t>
+              <a:t>‹#›</a:t>
             </a:fld>
             <a:endParaRPr lang="pt-BR"/>
           </a:p>
@@ -7054,7 +7054,7 @@
               <a:pPr>
                 <a:defRPr/>
               </a:pPr>
-              <a:t>‹nº›</a:t>
+              <a:t>‹#›</a:t>
             </a:fld>
             <a:endParaRPr lang="pt-BR"/>
           </a:p>
@@ -7276,7 +7276,7 @@
               <a:pPr>
                 <a:defRPr/>
               </a:pPr>
-              <a:t>‹nº›</a:t>
+              <a:t>‹#›</a:t>
             </a:fld>
             <a:endParaRPr lang="pt-BR"/>
           </a:p>
@@ -7554,7 +7554,7 @@
               <a:pPr>
                 <a:defRPr/>
               </a:pPr>
-              <a:t>‹nº›</a:t>
+              <a:t>‹#›</a:t>
             </a:fld>
             <a:endParaRPr lang="pt-BR"/>
           </a:p>
@@ -7832,7 +7832,7 @@
               <a:pPr>
                 <a:defRPr/>
               </a:pPr>
-              <a:t>‹nº›</a:t>
+              <a:t>‹#›</a:t>
             </a:fld>
             <a:endParaRPr lang="pt-BR"/>
           </a:p>
@@ -8023,7 +8023,7 @@
               <a:pPr>
                 <a:defRPr/>
               </a:pPr>
-              <a:t>‹nº›</a:t>
+              <a:t>‹#›</a:t>
             </a:fld>
             <a:endParaRPr lang="pt-BR"/>
           </a:p>
@@ -8357,7 +8357,7 @@
               <a:pPr>
                 <a:defRPr/>
               </a:pPr>
-              <a:t>‹nº›</a:t>
+              <a:t>‹#›</a:t>
             </a:fld>
             <a:endParaRPr lang="pt-BR"/>
           </a:p>
@@ -8569,7 +8569,7 @@
               <a:pPr>
                 <a:defRPr/>
               </a:pPr>
-              <a:t>‹nº›</a:t>
+              <a:t>‹#›</a:t>
             </a:fld>
             <a:endParaRPr lang="pt-BR"/>
           </a:p>
@@ -8804,7 +8804,7 @@
               <a:pPr>
                 <a:defRPr/>
               </a:pPr>
-              <a:t>‹nº›</a:t>
+              <a:t>‹#›</a:t>
             </a:fld>
             <a:endParaRPr lang="pt-BR"/>
           </a:p>
@@ -9133,7 +9133,7 @@
               <a:pPr>
                 <a:defRPr/>
               </a:pPr>
-              <a:t>‹nº›</a:t>
+              <a:t>‹#›</a:t>
             </a:fld>
             <a:endParaRPr lang="pt-BR"/>
           </a:p>
@@ -9596,7 +9596,7 @@
               <a:pPr>
                 <a:defRPr/>
               </a:pPr>
-              <a:t>‹nº›</a:t>
+              <a:t>‹#›</a:t>
             </a:fld>
             <a:endParaRPr lang="pt-BR"/>
           </a:p>
@@ -9757,7 +9757,7 @@
               <a:pPr>
                 <a:defRPr/>
               </a:pPr>
-              <a:t>‹nº›</a:t>
+              <a:t>‹#›</a:t>
             </a:fld>
             <a:endParaRPr lang="pt-BR"/>
           </a:p>
@@ -9896,7 +9896,7 @@
               <a:pPr>
                 <a:defRPr/>
               </a:pPr>
-              <a:t>‹nº›</a:t>
+              <a:t>‹#›</a:t>
             </a:fld>
             <a:endParaRPr lang="pt-BR"/>
           </a:p>
@@ -10215,7 +10215,7 @@
               <a:pPr>
                 <a:defRPr/>
               </a:pPr>
-              <a:t>‹nº›</a:t>
+              <a:t>‹#›</a:t>
             </a:fld>
             <a:endParaRPr lang="pt-BR"/>
           </a:p>
@@ -10512,7 +10512,7 @@
               <a:pPr>
                 <a:defRPr/>
               </a:pPr>
-              <a:t>‹nº›</a:t>
+              <a:t>‹#›</a:t>
             </a:fld>
             <a:endParaRPr lang="pt-BR"/>
           </a:p>
@@ -10873,7 +10873,7 @@
               <a:pPr>
                 <a:defRPr/>
               </a:pPr>
-              <a:t>‹nº›</a:t>
+              <a:t>‹#›</a:t>
             </a:fld>
             <a:endParaRPr lang="pt-BR"/>
           </a:p>
@@ -25468,6 +25468,10 @@
               <a:buFontTx/>
               <a:buNone/>
             </a:pPr>
+            <a:r>
+              <a:rPr lang="pt-BR" altLang="pt-BR" sz="2400"/>
+              <a:t> </a:t>
+            </a:r>
             <a:endParaRPr lang="pt-BR" altLang="pt-BR" sz="2400" dirty="0"/>
           </a:p>
           <a:p>
